--- a/Presentation.pptx
+++ b/Presentation.pptx
@@ -205,7 +205,7 @@
           <a:p>
             <a:fld id="{A95F0083-C414-B940-BF7E-CF9402422A72}" type="datetimeFigureOut">
               <a:rPr lang="en-US" smtClean="0"/>
-              <a:t>8/9/22</a:t>
+              <a:t>5/30/23</a:t>
             </a:fld>
             <a:endParaRPr lang="en-US"/>
           </a:p>
@@ -948,7 +948,7 @@
           <a:p>
             <a:fld id="{6D5BD3F5-DFA6-8E4B-87E1-FF2F5FD9CA16}" type="datetimeFigureOut">
               <a:rPr lang="en-US" smtClean="0"/>
-              <a:t>8/9/22</a:t>
+              <a:t>5/30/23</a:t>
             </a:fld>
             <a:endParaRPr lang="en-US"/>
           </a:p>
@@ -1146,7 +1146,7 @@
           <a:p>
             <a:fld id="{6D5BD3F5-DFA6-8E4B-87E1-FF2F5FD9CA16}" type="datetimeFigureOut">
               <a:rPr lang="en-US" smtClean="0"/>
-              <a:t>8/9/22</a:t>
+              <a:t>5/30/23</a:t>
             </a:fld>
             <a:endParaRPr lang="en-US"/>
           </a:p>
@@ -1354,7 +1354,7 @@
           <a:p>
             <a:fld id="{6D5BD3F5-DFA6-8E4B-87E1-FF2F5FD9CA16}" type="datetimeFigureOut">
               <a:rPr lang="en-US" smtClean="0"/>
-              <a:t>8/9/22</a:t>
+              <a:t>5/30/23</a:t>
             </a:fld>
             <a:endParaRPr lang="en-US"/>
           </a:p>
@@ -1552,7 +1552,7 @@
           <a:p>
             <a:fld id="{6D5BD3F5-DFA6-8E4B-87E1-FF2F5FD9CA16}" type="datetimeFigureOut">
               <a:rPr lang="en-US" smtClean="0"/>
-              <a:t>8/9/22</a:t>
+              <a:t>5/30/23</a:t>
             </a:fld>
             <a:endParaRPr lang="en-US"/>
           </a:p>
@@ -1827,7 +1827,7 @@
           <a:p>
             <a:fld id="{6D5BD3F5-DFA6-8E4B-87E1-FF2F5FD9CA16}" type="datetimeFigureOut">
               <a:rPr lang="en-US" smtClean="0"/>
-              <a:t>8/9/22</a:t>
+              <a:t>5/30/23</a:t>
             </a:fld>
             <a:endParaRPr lang="en-US"/>
           </a:p>
@@ -2092,7 +2092,7 @@
           <a:p>
             <a:fld id="{6D5BD3F5-DFA6-8E4B-87E1-FF2F5FD9CA16}" type="datetimeFigureOut">
               <a:rPr lang="en-US" smtClean="0"/>
-              <a:t>8/9/22</a:t>
+              <a:t>5/30/23</a:t>
             </a:fld>
             <a:endParaRPr lang="en-US"/>
           </a:p>
@@ -2504,7 +2504,7 @@
           <a:p>
             <a:fld id="{6D5BD3F5-DFA6-8E4B-87E1-FF2F5FD9CA16}" type="datetimeFigureOut">
               <a:rPr lang="en-US" smtClean="0"/>
-              <a:t>8/9/22</a:t>
+              <a:t>5/30/23</a:t>
             </a:fld>
             <a:endParaRPr lang="en-US"/>
           </a:p>
@@ -2645,7 +2645,7 @@
           <a:p>
             <a:fld id="{6D5BD3F5-DFA6-8E4B-87E1-FF2F5FD9CA16}" type="datetimeFigureOut">
               <a:rPr lang="en-US" smtClean="0"/>
-              <a:t>8/9/22</a:t>
+              <a:t>5/30/23</a:t>
             </a:fld>
             <a:endParaRPr lang="en-US"/>
           </a:p>
@@ -2758,7 +2758,7 @@
           <a:p>
             <a:fld id="{6D5BD3F5-DFA6-8E4B-87E1-FF2F5FD9CA16}" type="datetimeFigureOut">
               <a:rPr lang="en-US" smtClean="0"/>
-              <a:t>8/9/22</a:t>
+              <a:t>5/30/23</a:t>
             </a:fld>
             <a:endParaRPr lang="en-US"/>
           </a:p>
@@ -3069,7 +3069,7 @@
           <a:p>
             <a:fld id="{6D5BD3F5-DFA6-8E4B-87E1-FF2F5FD9CA16}" type="datetimeFigureOut">
               <a:rPr lang="en-US" smtClean="0"/>
-              <a:t>8/9/22</a:t>
+              <a:t>5/30/23</a:t>
             </a:fld>
             <a:endParaRPr lang="en-US"/>
           </a:p>
@@ -3357,7 +3357,7 @@
           <a:p>
             <a:fld id="{6D5BD3F5-DFA6-8E4B-87E1-FF2F5FD9CA16}" type="datetimeFigureOut">
               <a:rPr lang="en-US" smtClean="0"/>
-              <a:t>8/9/22</a:t>
+              <a:t>5/30/23</a:t>
             </a:fld>
             <a:endParaRPr lang="en-US"/>
           </a:p>
@@ -3598,7 +3598,7 @@
           <a:p>
             <a:fld id="{6D5BD3F5-DFA6-8E4B-87E1-FF2F5FD9CA16}" type="datetimeFigureOut">
               <a:rPr lang="en-US" smtClean="0"/>
-              <a:t>8/9/22</a:t>
+              <a:t>5/30/23</a:t>
             </a:fld>
             <a:endParaRPr lang="en-US"/>
           </a:p>
@@ -4557,15 +4557,7 @@
           <a:p>
             <a:r>
               <a:rPr lang="en-US" sz="2000" dirty="0"/>
-              <a:t>Learning </a:t>
-            </a:r>
-            <a:r>
-              <a:rPr lang="en-US" sz="2000"/>
-              <a:t>which hours of the day </a:t>
-            </a:r>
-            <a:r>
-              <a:rPr lang="en-US" sz="2000" dirty="0"/>
-              <a:t>are most likely to make delays.</a:t>
+              <a:t>Learning which hours of the day are most likely to make delays.</a:t>
             </a:r>
           </a:p>
         </p:txBody>
@@ -5527,7 +5519,7 @@
         <p:spPr>
           <a:xfrm>
             <a:off x="4609070" y="1235675"/>
-            <a:ext cx="7080421" cy="3046988"/>
+            <a:ext cx="7080421" cy="4154984"/>
           </a:xfrm>
           <a:prstGeom prst="rect">
             <a:avLst/>
@@ -5546,7 +5538,17 @@
             </a:pPr>
             <a:r>
               <a:rPr lang="en-US" sz="2400" dirty="0"/>
-              <a:t>Morris Essex, Northeast Corridor and North Jersey Coast Lines are making the most severe delays. </a:t>
+              <a:t>Northeast Corridor and North Jersey Coast Lines are counted as Northeast Corridor, and there are 15,319 delay train.</a:t>
+            </a:r>
+          </a:p>
+          <a:p>
+            <a:pPr marL="285750" indent="-285750">
+              <a:buFont typeface="Arial" panose="020B0604020202020204" pitchFamily="34" charset="0"/>
+              <a:buChar char="•"/>
+            </a:pPr>
+            <a:r>
+              <a:rPr lang="en-US" sz="2400" dirty="0"/>
+              <a:t>Morris Essex, and Northeast Corridor are making the most severe delays. </a:t>
             </a:r>
           </a:p>
           <a:p>
@@ -6124,7 +6126,15 @@
           <a:p>
             <a:r>
               <a:rPr lang="en-US" dirty="0"/>
-              <a:t>Morris Essex, Northeast Corridor and North Jersey Coast Lines are making the most severe delays, as well as the highest likely to make severe delays </a:t>
+              <a:t>Morris Essex, and Northeast </a:t>
+            </a:r>
+            <a:r>
+              <a:rPr lang="en-US"/>
+              <a:t>Corridor Lines </a:t>
+            </a:r>
+            <a:r>
+              <a:rPr lang="en-US" dirty="0"/>
+              <a:t>are making the most severe delays, as well as the highest likely to make severe delays </a:t>
             </a:r>
           </a:p>
           <a:p>
